--- a/Vital Skills/5301 Data Science as a Field/Final Project 1 _ NYPD Shooting Incident Data Report.pptx
+++ b/Vital Skills/5301 Data Science as a Field/Final Project 1 _ NYPD Shooting Incident Data Report.pptx
@@ -5825,7 +5825,7 @@
                 <a:ea typeface="Arial" charset="0"/>
                 <a:cs typeface="Arial" charset="0"/>
               </a:rPr>
-              <a:t>Use a model to undercover trends</a:t>
+              <a:t>Use a model to uncover trends</a:t>
             </a:r>
           </a:p>
           <a:p>
